--- a/Presentation.pptx
+++ b/Presentation.pptx
@@ -6,10 +6,12 @@
   </p:sldMasterIdLst>
   <p:sldIdLst>
     <p:sldId id="256" r:id="rId2"/>
-    <p:sldId id="257" r:id="rId3"/>
-    <p:sldId id="258" r:id="rId4"/>
-    <p:sldId id="259" r:id="rId5"/>
+    <p:sldId id="261" r:id="rId3"/>
+    <p:sldId id="257" r:id="rId4"/>
+    <p:sldId id="258" r:id="rId5"/>
     <p:sldId id="260" r:id="rId6"/>
+    <p:sldId id="259" r:id="rId7"/>
+    <p:sldId id="262" r:id="rId8"/>
   </p:sldIdLst>
   <p:sldSz cx="12192000" cy="6858000"/>
   <p:notesSz cx="6858000" cy="9144000"/>
@@ -360,7 +362,7 @@
           <a:p>
             <a:fld id="{9184DA70-C731-4C70-880D-CCD4705E623C}" type="datetime1">
               <a:rPr lang="en-US" smtClean="0"/>
-              <a:t>3/24/2022</a:t>
+              <a:t>3/25/2022</a:t>
             </a:fld>
             <a:endParaRPr lang="en-US" dirty="0"/>
           </a:p>
@@ -548,7 +550,7 @@
           <a:p>
             <a:fld id="{B612A279-0833-481D-8C56-F67FD0AC6C50}" type="datetime1">
               <a:rPr lang="en-US" smtClean="0"/>
-              <a:t>3/24/2022</a:t>
+              <a:t>3/25/2022</a:t>
             </a:fld>
             <a:endParaRPr lang="en-US" dirty="0"/>
           </a:p>
@@ -790,7 +792,7 @@
           <a:p>
             <a:fld id="{6587DA83-5663-4C9C-B9AA-0B40A3DAFF81}" type="datetime1">
               <a:rPr lang="en-US" smtClean="0"/>
-              <a:t>3/24/2022</a:t>
+              <a:t>3/25/2022</a:t>
             </a:fld>
             <a:endParaRPr lang="en-US" dirty="0"/>
           </a:p>
@@ -978,7 +980,7 @@
           <a:p>
             <a:fld id="{4BE1D723-8F53-4F53-90B0-1982A396982E}" type="datetime1">
               <a:rPr lang="en-US" smtClean="0"/>
-              <a:t>3/24/2022</a:t>
+              <a:t>3/25/2022</a:t>
             </a:fld>
             <a:endParaRPr lang="en-US" dirty="0"/>
           </a:p>
@@ -1351,7 +1353,7 @@
           <a:p>
             <a:fld id="{97669AF7-7BEB-44E4-9852-375E34362B5B}" type="datetime1">
               <a:rPr lang="en-US" smtClean="0"/>
-              <a:t>3/24/2022</a:t>
+              <a:t>3/25/2022</a:t>
             </a:fld>
             <a:endParaRPr lang="en-US" dirty="0"/>
           </a:p>
@@ -1606,7 +1608,7 @@
           <a:p>
             <a:fld id="{BAAAC38D-0552-4C82-B593-E6124DFADBE2}" type="datetime1">
               <a:rPr lang="en-US" smtClean="0"/>
-              <a:t>3/24/2022</a:t>
+              <a:t>3/25/2022</a:t>
             </a:fld>
             <a:endParaRPr lang="en-US" dirty="0"/>
           </a:p>
@@ -2003,7 +2005,7 @@
           <a:p>
             <a:fld id="{D9DF0F1C-5577-4ACB-BB62-DF8F3C494C7E}" type="datetime1">
               <a:rPr lang="en-US" smtClean="0"/>
-              <a:t>3/24/2022</a:t>
+              <a:t>3/25/2022</a:t>
             </a:fld>
             <a:endParaRPr lang="en-US" dirty="0"/>
           </a:p>
@@ -2139,7 +2141,7 @@
           <a:p>
             <a:fld id="{1775B394-D9F9-4F0C-B15D-605F45CB9E9F}" type="datetime1">
               <a:rPr lang="en-US" smtClean="0"/>
-              <a:t>3/24/2022</a:t>
+              <a:t>3/25/2022</a:t>
             </a:fld>
             <a:endParaRPr lang="en-US" dirty="0"/>
           </a:p>
@@ -2296,7 +2298,7 @@
           <a:p>
             <a:fld id="{39667345-2558-425A-8533-9BFDBCE15005}" type="datetime1">
               <a:rPr lang="en-US" smtClean="0"/>
-              <a:t>3/24/2022</a:t>
+              <a:t>3/25/2022</a:t>
             </a:fld>
             <a:endParaRPr lang="en-US" dirty="0"/>
           </a:p>
@@ -2625,7 +2627,7 @@
           <a:p>
             <a:fld id="{92BEA474-078D-4E9B-9B14-09A87B19DC46}" type="datetime1">
               <a:rPr lang="en-US" smtClean="0"/>
-              <a:t>3/24/2022</a:t>
+              <a:t>3/25/2022</a:t>
             </a:fld>
             <a:endParaRPr lang="en-US" dirty="0"/>
           </a:p>
@@ -2975,7 +2977,7 @@
           <a:p>
             <a:fld id="{4907D986-8816-4272-A432-0437A28A9828}" type="datetime1">
               <a:rPr lang="en-US" smtClean="0"/>
-              <a:t>3/24/2022</a:t>
+              <a:t>3/25/2022</a:t>
             </a:fld>
             <a:endParaRPr lang="en-US" dirty="0"/>
           </a:p>
@@ -3236,7 +3238,7 @@
           <a:p>
             <a:fld id="{62D6E202-B606-4609-B914-27C9371A1F6D}" type="datetime1">
               <a:rPr lang="en-US" smtClean="0"/>
-              <a:t>3/24/2022</a:t>
+              <a:t>3/25/2022</a:t>
             </a:fld>
             <a:endParaRPr lang="en-US" dirty="0"/>
           </a:p>
@@ -4086,6 +4088,100 @@
           <a:p>
             <a:r>
               <a:rPr lang="en-GB" dirty="0"/>
+              <a:t>Goal</a:t>
+            </a:r>
+            <a:endParaRPr lang="en-CH" dirty="0"/>
+          </a:p>
+        </p:txBody>
+      </p:sp>
+      <p:sp>
+        <p:nvSpPr>
+          <p:cNvPr id="16" name="TextBox 15">
+            <a:extLst>
+              <a:ext uri="{FF2B5EF4-FFF2-40B4-BE49-F238E27FC236}">
+                <a16:creationId xmlns:a16="http://schemas.microsoft.com/office/drawing/2014/main" id="{7B4B5B28-8A76-424D-BEF4-72F3DA9B5ED7}"/>
+              </a:ext>
+            </a:extLst>
+          </p:cNvPr>
+          <p:cNvSpPr txBox="1"/>
+          <p:nvPr/>
+        </p:nvSpPr>
+        <p:spPr>
+          <a:xfrm>
+            <a:off x="1296140" y="3429000"/>
+            <a:ext cx="10200443" cy="430887"/>
+          </a:xfrm>
+          <a:prstGeom prst="rect">
+            <a:avLst/>
+          </a:prstGeom>
+          <a:noFill/>
+        </p:spPr>
+        <p:txBody>
+          <a:bodyPr wrap="square" rtlCol="0">
+            <a:spAutoFit/>
+          </a:bodyPr>
+          <a:lstStyle/>
+          <a:p>
+            <a:r>
+              <a:rPr lang="en-GB" sz="2200" dirty="0"/>
+              <a:t>Build an application which mainly focuses on the deliverers interests</a:t>
+            </a:r>
+          </a:p>
+        </p:txBody>
+      </p:sp>
+    </p:spTree>
+    <p:extLst>
+      <p:ext uri="{BB962C8B-B14F-4D97-AF65-F5344CB8AC3E}">
+        <p14:creationId xmlns:p14="http://schemas.microsoft.com/office/powerpoint/2010/main" val="3124939980"/>
+      </p:ext>
+    </p:extLst>
+  </p:cSld>
+  <p:clrMapOvr>
+    <a:masterClrMapping/>
+  </p:clrMapOvr>
+</p:sld>
+</file>
+
+<file path=ppt/slides/slide3.xml><?xml version="1.0" encoding="utf-8"?>
+<p:sld xmlns:a="http://schemas.openxmlformats.org/drawingml/2006/main" xmlns:r="http://schemas.openxmlformats.org/officeDocument/2006/relationships" xmlns:p="http://schemas.openxmlformats.org/presentationml/2006/main">
+  <p:cSld>
+    <p:spTree>
+      <p:nvGrpSpPr>
+        <p:cNvPr id="1" name=""/>
+        <p:cNvGrpSpPr/>
+        <p:nvPr/>
+      </p:nvGrpSpPr>
+      <p:grpSpPr>
+        <a:xfrm>
+          <a:off x="0" y="0"/>
+          <a:ext cx="0" cy="0"/>
+          <a:chOff x="0" y="0"/>
+          <a:chExt cx="0" cy="0"/>
+        </a:xfrm>
+      </p:grpSpPr>
+      <p:sp>
+        <p:nvSpPr>
+          <p:cNvPr id="2" name="Title 1">
+            <a:extLst>
+              <a:ext uri="{FF2B5EF4-FFF2-40B4-BE49-F238E27FC236}">
+                <a16:creationId xmlns:a16="http://schemas.microsoft.com/office/drawing/2014/main" id="{26D9B1A4-682F-4796-86AF-D13FCB923028}"/>
+              </a:ext>
+            </a:extLst>
+          </p:cNvPr>
+          <p:cNvSpPr>
+            <a:spLocks noGrp="1"/>
+          </p:cNvSpPr>
+          <p:nvPr>
+            <p:ph type="title"/>
+          </p:nvPr>
+        </p:nvSpPr>
+        <p:spPr/>
+        <p:txBody>
+          <a:bodyPr/>
+          <a:lstStyle/>
+          <a:p>
+            <a:r>
+              <a:rPr lang="en-GB" dirty="0"/>
               <a:t>Organization</a:t>
             </a:r>
             <a:endParaRPr lang="en-CH" dirty="0"/>
@@ -4583,172 +4679,6 @@
 </p:sld>
 </file>
 
-<file path=ppt/slides/slide3.xml><?xml version="1.0" encoding="utf-8"?>
-<p:sld xmlns:a="http://schemas.openxmlformats.org/drawingml/2006/main" xmlns:r="http://schemas.openxmlformats.org/officeDocument/2006/relationships" xmlns:p="http://schemas.openxmlformats.org/presentationml/2006/main">
-  <p:cSld>
-    <p:spTree>
-      <p:nvGrpSpPr>
-        <p:cNvPr id="1" name=""/>
-        <p:cNvGrpSpPr/>
-        <p:nvPr/>
-      </p:nvGrpSpPr>
-      <p:grpSpPr>
-        <a:xfrm>
-          <a:off x="0" y="0"/>
-          <a:ext cx="0" cy="0"/>
-          <a:chOff x="0" y="0"/>
-          <a:chExt cx="0" cy="0"/>
-        </a:xfrm>
-      </p:grpSpPr>
-      <p:sp>
-        <p:nvSpPr>
-          <p:cNvPr id="2" name="Title 1">
-            <a:extLst>
-              <a:ext uri="{FF2B5EF4-FFF2-40B4-BE49-F238E27FC236}">
-                <a16:creationId xmlns:a16="http://schemas.microsoft.com/office/drawing/2014/main" id="{53B29994-3D67-4D77-967C-7D156DF43CFB}"/>
-              </a:ext>
-            </a:extLst>
-          </p:cNvPr>
-          <p:cNvSpPr>
-            <a:spLocks noGrp="1"/>
-          </p:cNvSpPr>
-          <p:nvPr>
-            <p:ph type="title"/>
-          </p:nvPr>
-        </p:nvSpPr>
-        <p:spPr/>
-        <p:txBody>
-          <a:bodyPr/>
-          <a:lstStyle/>
-          <a:p>
-            <a:r>
-              <a:rPr lang="en-GB" dirty="0"/>
-              <a:t>Client – Build a Website</a:t>
-            </a:r>
-            <a:endParaRPr lang="en-CH" dirty="0"/>
-          </a:p>
-        </p:txBody>
-      </p:sp>
-      <p:sp>
-        <p:nvSpPr>
-          <p:cNvPr id="3" name="TextBox 2">
-            <a:extLst>
-              <a:ext uri="{FF2B5EF4-FFF2-40B4-BE49-F238E27FC236}">
-                <a16:creationId xmlns:a16="http://schemas.microsoft.com/office/drawing/2014/main" id="{671708C2-74FA-427E-BC8C-6CEB9EEA6219}"/>
-              </a:ext>
-            </a:extLst>
-          </p:cNvPr>
-          <p:cNvSpPr txBox="1"/>
-          <p:nvPr/>
-        </p:nvSpPr>
-        <p:spPr>
-          <a:xfrm>
-            <a:off x="1258478" y="2196854"/>
-            <a:ext cx="6544993" cy="1323439"/>
-          </a:xfrm>
-          <a:prstGeom prst="rect">
-            <a:avLst/>
-          </a:prstGeom>
-          <a:noFill/>
-        </p:spPr>
-        <p:txBody>
-          <a:bodyPr wrap="square" rtlCol="0">
-            <a:spAutoFit/>
-          </a:bodyPr>
-          <a:lstStyle/>
-          <a:p>
-            <a:r>
-              <a:rPr lang="en-GB" sz="2000" dirty="0"/>
-              <a:t>Features</a:t>
-            </a:r>
-          </a:p>
-          <a:p>
-            <a:pPr marL="342900" indent="-342900">
-              <a:buFont typeface="Arial" panose="020B0604020202020204" pitchFamily="34" charset="0"/>
-              <a:buChar char="•"/>
-            </a:pPr>
-            <a:r>
-              <a:rPr lang="en-GB" sz="2000" dirty="0"/>
-              <a:t>Log in new orders</a:t>
-            </a:r>
-          </a:p>
-          <a:p>
-            <a:pPr marL="342900" indent="-342900">
-              <a:buFont typeface="Arial" panose="020B0604020202020204" pitchFamily="34" charset="0"/>
-              <a:buChar char="•"/>
-            </a:pPr>
-            <a:r>
-              <a:rPr lang="en-GB" sz="2000" dirty="0"/>
-              <a:t>See status of each order</a:t>
-            </a:r>
-          </a:p>
-          <a:p>
-            <a:endParaRPr lang="en-GB" sz="2000" dirty="0"/>
-          </a:p>
-        </p:txBody>
-      </p:sp>
-      <p:sp>
-        <p:nvSpPr>
-          <p:cNvPr id="4" name="TextBox 3">
-            <a:extLst>
-              <a:ext uri="{FF2B5EF4-FFF2-40B4-BE49-F238E27FC236}">
-                <a16:creationId xmlns:a16="http://schemas.microsoft.com/office/drawing/2014/main" id="{55738D6C-0EA8-40FA-B421-E6C4FA3ABEEC}"/>
-              </a:ext>
-            </a:extLst>
-          </p:cNvPr>
-          <p:cNvSpPr txBox="1"/>
-          <p:nvPr/>
-        </p:nvSpPr>
-        <p:spPr>
-          <a:xfrm>
-            <a:off x="1258477" y="3520293"/>
-            <a:ext cx="6544993" cy="1015663"/>
-          </a:xfrm>
-          <a:prstGeom prst="rect">
-            <a:avLst/>
-          </a:prstGeom>
-          <a:noFill/>
-        </p:spPr>
-        <p:txBody>
-          <a:bodyPr wrap="square" rtlCol="0">
-            <a:spAutoFit/>
-          </a:bodyPr>
-          <a:lstStyle/>
-          <a:p>
-            <a:r>
-              <a:rPr lang="en-GB" sz="2000" dirty="0"/>
-              <a:t>What we used</a:t>
-            </a:r>
-          </a:p>
-          <a:p>
-            <a:pPr marL="342900" indent="-342900">
-              <a:buFont typeface="Arial" panose="020B0604020202020204" pitchFamily="34" charset="0"/>
-              <a:buChar char="•"/>
-            </a:pPr>
-            <a:r>
-              <a:rPr lang="en-GB" sz="2000" dirty="0" err="1"/>
-              <a:t>NextJs</a:t>
-            </a:r>
-            <a:endParaRPr lang="en-GB" sz="2000" dirty="0"/>
-          </a:p>
-          <a:p>
-            <a:endParaRPr lang="en-GB" sz="2000" dirty="0"/>
-          </a:p>
-        </p:txBody>
-      </p:sp>
-    </p:spTree>
-    <p:extLst>
-      <p:ext uri="{BB962C8B-B14F-4D97-AF65-F5344CB8AC3E}">
-        <p14:creationId xmlns:p14="http://schemas.microsoft.com/office/powerpoint/2010/main" val="2084862642"/>
-      </p:ext>
-    </p:extLst>
-  </p:cSld>
-  <p:clrMapOvr>
-    <a:masterClrMapping/>
-  </p:clrMapOvr>
-</p:sld>
-</file>
-
 <file path=ppt/slides/slide4.xml><?xml version="1.0" encoding="utf-8"?>
 <p:sld xmlns:a="http://schemas.openxmlformats.org/drawingml/2006/main" xmlns:r="http://schemas.openxmlformats.org/officeDocument/2006/relationships" xmlns:p="http://schemas.openxmlformats.org/presentationml/2006/main">
   <p:cSld>
@@ -4789,7 +4719,7 @@
           <a:p>
             <a:r>
               <a:rPr lang="en-GB" dirty="0"/>
-              <a:t>Backend – Providing Services</a:t>
+              <a:t>Client – Build a Website</a:t>
             </a:r>
             <a:endParaRPr lang="en-CH" dirty="0"/>
           </a:p>
@@ -4809,8 +4739,8 @@
         </p:nvSpPr>
         <p:spPr>
           <a:xfrm>
-            <a:off x="1258477" y="2196854"/>
-            <a:ext cx="9536770" cy="1323439"/>
+            <a:off x="1258478" y="2196854"/>
+            <a:ext cx="6544993" cy="707886"/>
           </a:xfrm>
           <a:prstGeom prst="rect">
             <a:avLst/>
@@ -4835,7 +4765,42 @@
             </a:pPr>
             <a:r>
               <a:rPr lang="en-GB" sz="2000" dirty="0"/>
-              <a:t>Manage Data</a:t>
+              <a:t>Log in new orders</a:t>
+            </a:r>
+          </a:p>
+        </p:txBody>
+      </p:sp>
+      <p:sp>
+        <p:nvSpPr>
+          <p:cNvPr id="4" name="TextBox 3">
+            <a:extLst>
+              <a:ext uri="{FF2B5EF4-FFF2-40B4-BE49-F238E27FC236}">
+                <a16:creationId xmlns:a16="http://schemas.microsoft.com/office/drawing/2014/main" id="{55738D6C-0EA8-40FA-B421-E6C4FA3ABEEC}"/>
+              </a:ext>
+            </a:extLst>
+          </p:cNvPr>
+          <p:cNvSpPr txBox="1"/>
+          <p:nvPr/>
+        </p:nvSpPr>
+        <p:spPr>
+          <a:xfrm>
+            <a:off x="1258478" y="3298351"/>
+            <a:ext cx="6544993" cy="1015663"/>
+          </a:xfrm>
+          <a:prstGeom prst="rect">
+            <a:avLst/>
+          </a:prstGeom>
+          <a:noFill/>
+        </p:spPr>
+        <p:txBody>
+          <a:bodyPr wrap="square" rtlCol="0">
+            <a:spAutoFit/>
+          </a:bodyPr>
+          <a:lstStyle/>
+          <a:p>
+            <a:r>
+              <a:rPr lang="en-GB" sz="2000" dirty="0"/>
+              <a:t>What we used</a:t>
             </a:r>
           </a:p>
           <a:p>
@@ -4844,61 +4809,10 @@
               <a:buChar char="•"/>
             </a:pPr>
             <a:r>
-              <a:rPr lang="en-GB" sz="2000" dirty="0"/>
-              <a:t>Calculate optimal distribution of orders among deliverers</a:t>
-            </a:r>
-          </a:p>
-          <a:p>
-            <a:pPr marL="342900" indent="-342900">
-              <a:buFont typeface="Arial" panose="020B0604020202020204" pitchFamily="34" charset="0"/>
-              <a:buChar char="•"/>
-            </a:pPr>
+              <a:rPr lang="en-GB" sz="2000" dirty="0" err="1"/>
+              <a:t>NextJs</a:t>
+            </a:r>
             <a:endParaRPr lang="en-GB" sz="2000" dirty="0"/>
-          </a:p>
-        </p:txBody>
-      </p:sp>
-      <p:sp>
-        <p:nvSpPr>
-          <p:cNvPr id="4" name="TextBox 3">
-            <a:extLst>
-              <a:ext uri="{FF2B5EF4-FFF2-40B4-BE49-F238E27FC236}">
-                <a16:creationId xmlns:a16="http://schemas.microsoft.com/office/drawing/2014/main" id="{55738D6C-0EA8-40FA-B421-E6C4FA3ABEEC}"/>
-              </a:ext>
-            </a:extLst>
-          </p:cNvPr>
-          <p:cNvSpPr txBox="1"/>
-          <p:nvPr/>
-        </p:nvSpPr>
-        <p:spPr>
-          <a:xfrm>
-            <a:off x="1258477" y="3520293"/>
-            <a:ext cx="6544993" cy="1015663"/>
-          </a:xfrm>
-          <a:prstGeom prst="rect">
-            <a:avLst/>
-          </a:prstGeom>
-          <a:noFill/>
-        </p:spPr>
-        <p:txBody>
-          <a:bodyPr wrap="square" rtlCol="0">
-            <a:spAutoFit/>
-          </a:bodyPr>
-          <a:lstStyle/>
-          <a:p>
-            <a:r>
-              <a:rPr lang="en-GB" sz="2000" dirty="0"/>
-              <a:t>What we used</a:t>
-            </a:r>
-          </a:p>
-          <a:p>
-            <a:pPr marL="342900" indent="-342900">
-              <a:buFont typeface="Arial" panose="020B0604020202020204" pitchFamily="34" charset="0"/>
-              <a:buChar char="•"/>
-            </a:pPr>
-            <a:r>
-              <a:rPr lang="en-GB" sz="2000" dirty="0"/>
-              <a:t>Firebase</a:t>
-            </a:r>
           </a:p>
           <a:p>
             <a:endParaRPr lang="en-GB" sz="2000" dirty="0"/>
@@ -4908,7 +4822,7 @@
     </p:spTree>
     <p:extLst>
       <p:ext uri="{BB962C8B-B14F-4D97-AF65-F5344CB8AC3E}">
-        <p14:creationId xmlns:p14="http://schemas.microsoft.com/office/powerpoint/2010/main" val="239574516"/>
+        <p14:creationId xmlns:p14="http://schemas.microsoft.com/office/powerpoint/2010/main" val="2084862642"/>
       </p:ext>
     </p:extLst>
   </p:cSld>
@@ -5024,15 +4938,7 @@
             </a:pPr>
             <a:r>
               <a:rPr lang="en-GB" sz="2000" dirty="0"/>
-              <a:t>Overview of stats e.g. Money earned, Kilometres driven, </a:t>
-            </a:r>
-            <a:r>
-              <a:rPr lang="en-GB" sz="2000" dirty="0" err="1"/>
-              <a:t>ect</a:t>
-            </a:r>
-            <a:r>
-              <a:rPr lang="en-GB" sz="2000" dirty="0"/>
-              <a:t>.</a:t>
+              <a:t>Overview of stats e.g. Money earned, Kilometres driven, etc.</a:t>
             </a:r>
           </a:p>
         </p:txBody>
@@ -5089,6 +4995,316 @@
     <p:extLst>
       <p:ext uri="{BB962C8B-B14F-4D97-AF65-F5344CB8AC3E}">
         <p14:creationId xmlns:p14="http://schemas.microsoft.com/office/powerpoint/2010/main" val="1967272012"/>
+      </p:ext>
+    </p:extLst>
+  </p:cSld>
+  <p:clrMapOvr>
+    <a:masterClrMapping/>
+  </p:clrMapOvr>
+</p:sld>
+</file>
+
+<file path=ppt/slides/slide6.xml><?xml version="1.0" encoding="utf-8"?>
+<p:sld xmlns:a="http://schemas.openxmlformats.org/drawingml/2006/main" xmlns:r="http://schemas.openxmlformats.org/officeDocument/2006/relationships" xmlns:p="http://schemas.openxmlformats.org/presentationml/2006/main">
+  <p:cSld>
+    <p:spTree>
+      <p:nvGrpSpPr>
+        <p:cNvPr id="1" name=""/>
+        <p:cNvGrpSpPr/>
+        <p:nvPr/>
+      </p:nvGrpSpPr>
+      <p:grpSpPr>
+        <a:xfrm>
+          <a:off x="0" y="0"/>
+          <a:ext cx="0" cy="0"/>
+          <a:chOff x="0" y="0"/>
+          <a:chExt cx="0" cy="0"/>
+        </a:xfrm>
+      </p:grpSpPr>
+      <p:sp>
+        <p:nvSpPr>
+          <p:cNvPr id="2" name="Title 1">
+            <a:extLst>
+              <a:ext uri="{FF2B5EF4-FFF2-40B4-BE49-F238E27FC236}">
+                <a16:creationId xmlns:a16="http://schemas.microsoft.com/office/drawing/2014/main" id="{53B29994-3D67-4D77-967C-7D156DF43CFB}"/>
+              </a:ext>
+            </a:extLst>
+          </p:cNvPr>
+          <p:cNvSpPr>
+            <a:spLocks noGrp="1"/>
+          </p:cNvSpPr>
+          <p:nvPr>
+            <p:ph type="title"/>
+          </p:nvPr>
+        </p:nvSpPr>
+        <p:spPr/>
+        <p:txBody>
+          <a:bodyPr/>
+          <a:lstStyle/>
+          <a:p>
+            <a:r>
+              <a:rPr lang="en-GB" dirty="0"/>
+              <a:t>Backend – Providing Services</a:t>
+            </a:r>
+            <a:endParaRPr lang="en-CH" dirty="0"/>
+          </a:p>
+        </p:txBody>
+      </p:sp>
+      <p:sp>
+        <p:nvSpPr>
+          <p:cNvPr id="3" name="TextBox 2">
+            <a:extLst>
+              <a:ext uri="{FF2B5EF4-FFF2-40B4-BE49-F238E27FC236}">
+                <a16:creationId xmlns:a16="http://schemas.microsoft.com/office/drawing/2014/main" id="{671708C2-74FA-427E-BC8C-6CEB9EEA6219}"/>
+              </a:ext>
+            </a:extLst>
+          </p:cNvPr>
+          <p:cNvSpPr txBox="1"/>
+          <p:nvPr/>
+        </p:nvSpPr>
+        <p:spPr>
+          <a:xfrm>
+            <a:off x="1258477" y="2196854"/>
+            <a:ext cx="9536770" cy="1631216"/>
+          </a:xfrm>
+          <a:prstGeom prst="rect">
+            <a:avLst/>
+          </a:prstGeom>
+          <a:noFill/>
+        </p:spPr>
+        <p:txBody>
+          <a:bodyPr wrap="square" rtlCol="0">
+            <a:spAutoFit/>
+          </a:bodyPr>
+          <a:lstStyle/>
+          <a:p>
+            <a:r>
+              <a:rPr lang="en-GB" sz="2000" dirty="0"/>
+              <a:t>Features</a:t>
+            </a:r>
+          </a:p>
+          <a:p>
+            <a:pPr marL="342900" indent="-342900">
+              <a:buFont typeface="Arial" panose="020B0604020202020204" pitchFamily="34" charset="0"/>
+              <a:buChar char="•"/>
+            </a:pPr>
+            <a:r>
+              <a:rPr lang="en-GB" sz="2000" dirty="0"/>
+              <a:t>Manage Data</a:t>
+            </a:r>
+          </a:p>
+          <a:p>
+            <a:pPr marL="342900" indent="-342900">
+              <a:buFont typeface="Arial" panose="020B0604020202020204" pitchFamily="34" charset="0"/>
+              <a:buChar char="•"/>
+            </a:pPr>
+            <a:r>
+              <a:rPr lang="en-GB" sz="2000" dirty="0"/>
+              <a:t>Calculate optimal distribution of orders among deliverers</a:t>
+            </a:r>
+          </a:p>
+          <a:p>
+            <a:endParaRPr lang="en-GB" sz="2000" dirty="0"/>
+          </a:p>
+          <a:p>
+            <a:pPr marL="342900" indent="-342900">
+              <a:buFont typeface="Arial" panose="020B0604020202020204" pitchFamily="34" charset="0"/>
+              <a:buChar char="•"/>
+            </a:pPr>
+            <a:endParaRPr lang="en-GB" sz="2000" dirty="0"/>
+          </a:p>
+        </p:txBody>
+      </p:sp>
+      <p:sp>
+        <p:nvSpPr>
+          <p:cNvPr id="4" name="TextBox 3">
+            <a:extLst>
+              <a:ext uri="{FF2B5EF4-FFF2-40B4-BE49-F238E27FC236}">
+                <a16:creationId xmlns:a16="http://schemas.microsoft.com/office/drawing/2014/main" id="{55738D6C-0EA8-40FA-B421-E6C4FA3ABEEC}"/>
+              </a:ext>
+            </a:extLst>
+          </p:cNvPr>
+          <p:cNvSpPr txBox="1"/>
+          <p:nvPr/>
+        </p:nvSpPr>
+        <p:spPr>
+          <a:xfrm>
+            <a:off x="1258477" y="4854703"/>
+            <a:ext cx="6544993" cy="1015663"/>
+          </a:xfrm>
+          <a:prstGeom prst="rect">
+            <a:avLst/>
+          </a:prstGeom>
+          <a:noFill/>
+        </p:spPr>
+        <p:txBody>
+          <a:bodyPr wrap="square" rtlCol="0">
+            <a:spAutoFit/>
+          </a:bodyPr>
+          <a:lstStyle/>
+          <a:p>
+            <a:r>
+              <a:rPr lang="en-GB" sz="2000" dirty="0"/>
+              <a:t>What we used</a:t>
+            </a:r>
+          </a:p>
+          <a:p>
+            <a:pPr marL="342900" indent="-342900">
+              <a:buFont typeface="Arial" panose="020B0604020202020204" pitchFamily="34" charset="0"/>
+              <a:buChar char="•"/>
+            </a:pPr>
+            <a:r>
+              <a:rPr lang="en-GB" sz="2000" dirty="0"/>
+              <a:t>Firebase</a:t>
+            </a:r>
+          </a:p>
+          <a:p>
+            <a:endParaRPr lang="en-GB" sz="2000" dirty="0"/>
+          </a:p>
+        </p:txBody>
+      </p:sp>
+      <p:sp>
+        <p:nvSpPr>
+          <p:cNvPr id="6" name="TextBox 5">
+            <a:extLst>
+              <a:ext uri="{FF2B5EF4-FFF2-40B4-BE49-F238E27FC236}">
+                <a16:creationId xmlns:a16="http://schemas.microsoft.com/office/drawing/2014/main" id="{6CA34121-95C3-4E4F-9F0A-2D9FC6C58150}"/>
+              </a:ext>
+            </a:extLst>
+          </p:cNvPr>
+          <p:cNvSpPr txBox="1"/>
+          <p:nvPr/>
+        </p:nvSpPr>
+        <p:spPr>
+          <a:xfrm>
+            <a:off x="2081924" y="3223487"/>
+            <a:ext cx="6544993" cy="1938992"/>
+          </a:xfrm>
+          <a:prstGeom prst="rect">
+            <a:avLst/>
+          </a:prstGeom>
+          <a:noFill/>
+        </p:spPr>
+        <p:txBody>
+          <a:bodyPr wrap="square" rtlCol="0">
+            <a:spAutoFit/>
+          </a:bodyPr>
+          <a:lstStyle/>
+          <a:p>
+            <a:pPr marL="342900" indent="-342900">
+              <a:buFont typeface="Arial" panose="020B0604020202020204" pitchFamily="34" charset="0"/>
+              <a:buChar char="•"/>
+            </a:pPr>
+            <a:r>
+              <a:rPr lang="en-GB" sz="2000" dirty="0"/>
+              <a:t>Is he close to the orders pickup-address?</a:t>
+            </a:r>
+          </a:p>
+          <a:p>
+            <a:pPr marL="342900" indent="-342900">
+              <a:buFont typeface="Arial" panose="020B0604020202020204" pitchFamily="34" charset="0"/>
+              <a:buChar char="•"/>
+            </a:pPr>
+            <a:r>
+              <a:rPr lang="en-GB" sz="2000" dirty="0"/>
+              <a:t>How much money has the driver earned yet?</a:t>
+            </a:r>
+          </a:p>
+          <a:p>
+            <a:pPr marL="342900" indent="-342900">
+              <a:buFont typeface="Arial" panose="020B0604020202020204" pitchFamily="34" charset="0"/>
+              <a:buChar char="•"/>
+            </a:pPr>
+            <a:r>
+              <a:rPr lang="en-GB" sz="2000" dirty="0"/>
+              <a:t>How far did the deliverer had to drive? </a:t>
+            </a:r>
+          </a:p>
+          <a:p>
+            <a:pPr marL="342900" indent="-342900">
+              <a:buFont typeface="Arial" panose="020B0604020202020204" pitchFamily="34" charset="0"/>
+              <a:buChar char="•"/>
+            </a:pPr>
+            <a:r>
+              <a:rPr lang="en-GB" sz="2000" dirty="0"/>
+              <a:t>Does the new order fit into the current route?</a:t>
+            </a:r>
+          </a:p>
+          <a:p>
+            <a:pPr marL="342900" indent="-342900">
+              <a:buFont typeface="Arial" panose="020B0604020202020204" pitchFamily="34" charset="0"/>
+              <a:buChar char="•"/>
+            </a:pPr>
+            <a:endParaRPr lang="en-GB" sz="2000" dirty="0"/>
+          </a:p>
+          <a:p>
+            <a:endParaRPr lang="en-GB" sz="2000" dirty="0"/>
+          </a:p>
+        </p:txBody>
+      </p:sp>
+    </p:spTree>
+    <p:extLst>
+      <p:ext uri="{BB962C8B-B14F-4D97-AF65-F5344CB8AC3E}">
+        <p14:creationId xmlns:p14="http://schemas.microsoft.com/office/powerpoint/2010/main" val="239574516"/>
+      </p:ext>
+    </p:extLst>
+  </p:cSld>
+  <p:clrMapOvr>
+    <a:masterClrMapping/>
+  </p:clrMapOvr>
+</p:sld>
+</file>
+
+<file path=ppt/slides/slide7.xml><?xml version="1.0" encoding="utf-8"?>
+<p:sld xmlns:a="http://schemas.openxmlformats.org/drawingml/2006/main" xmlns:r="http://schemas.openxmlformats.org/officeDocument/2006/relationships" xmlns:p="http://schemas.openxmlformats.org/presentationml/2006/main">
+  <p:cSld>
+    <p:spTree>
+      <p:nvGrpSpPr>
+        <p:cNvPr id="1" name=""/>
+        <p:cNvGrpSpPr/>
+        <p:nvPr/>
+      </p:nvGrpSpPr>
+      <p:grpSpPr>
+        <a:xfrm>
+          <a:off x="0" y="0"/>
+          <a:ext cx="0" cy="0"/>
+          <a:chOff x="0" y="0"/>
+          <a:chExt cx="0" cy="0"/>
+        </a:xfrm>
+      </p:grpSpPr>
+      <p:sp>
+        <p:nvSpPr>
+          <p:cNvPr id="2" name="Title 1">
+            <a:extLst>
+              <a:ext uri="{FF2B5EF4-FFF2-40B4-BE49-F238E27FC236}">
+                <a16:creationId xmlns:a16="http://schemas.microsoft.com/office/drawing/2014/main" id="{53B29994-3D67-4D77-967C-7D156DF43CFB}"/>
+              </a:ext>
+            </a:extLst>
+          </p:cNvPr>
+          <p:cNvSpPr>
+            <a:spLocks noGrp="1"/>
+          </p:cNvSpPr>
+          <p:nvPr>
+            <p:ph type="title"/>
+          </p:nvPr>
+        </p:nvSpPr>
+        <p:spPr/>
+        <p:txBody>
+          <a:bodyPr/>
+          <a:lstStyle/>
+          <a:p>
+            <a:r>
+              <a:rPr lang="en-GB" dirty="0"/>
+              <a:t>Driver – Build an App</a:t>
+            </a:r>
+            <a:endParaRPr lang="en-CH" dirty="0"/>
+          </a:p>
+        </p:txBody>
+      </p:sp>
+    </p:spTree>
+    <p:extLst>
+      <p:ext uri="{BB962C8B-B14F-4D97-AF65-F5344CB8AC3E}">
+        <p14:creationId xmlns:p14="http://schemas.microsoft.com/office/powerpoint/2010/main" val="475622975"/>
       </p:ext>
     </p:extLst>
   </p:cSld>

--- a/Presentation.pptx
+++ b/Presentation.pptx
@@ -12,6 +12,7 @@
     <p:sldId id="260" r:id="rId6"/>
     <p:sldId id="259" r:id="rId7"/>
     <p:sldId id="262" r:id="rId8"/>
+    <p:sldId id="263" r:id="rId9"/>
   </p:sldIdLst>
   <p:sldSz cx="12192000" cy="6858000"/>
   <p:notesSz cx="6858000" cy="9144000"/>
@@ -4202,7 +4203,7 @@
         </p:nvSpPr>
         <p:spPr>
           <a:xfrm>
-            <a:off x="1287355" y="3191153"/>
+            <a:off x="1673487" y="3217786"/>
             <a:ext cx="2228202" cy="1167782"/>
           </a:xfrm>
           <a:prstGeom prst="rect">
@@ -4254,7 +4255,7 @@
         </p:nvSpPr>
         <p:spPr>
           <a:xfrm>
-            <a:off x="7904178" y="3191153"/>
+            <a:off x="8290310" y="3217786"/>
             <a:ext cx="2228202" cy="1167782"/>
           </a:xfrm>
           <a:prstGeom prst="rect">
@@ -4306,7 +4307,7 @@
         </p:nvSpPr>
         <p:spPr>
           <a:xfrm>
-            <a:off x="1764506" y="3510749"/>
+            <a:off x="2150638" y="3537382"/>
             <a:ext cx="1273899" cy="523220"/>
           </a:xfrm>
           <a:prstGeom prst="rect">
@@ -4342,7 +4343,7 @@
         </p:nvSpPr>
         <p:spPr>
           <a:xfrm>
-            <a:off x="8347298" y="3510749"/>
+            <a:off x="8733430" y="3537382"/>
             <a:ext cx="1341961" cy="523220"/>
           </a:xfrm>
           <a:prstGeom prst="rect">
@@ -4378,7 +4379,7 @@
         </p:nvSpPr>
         <p:spPr>
           <a:xfrm>
-            <a:off x="4387095" y="3046980"/>
+            <a:off x="4773227" y="3073613"/>
             <a:ext cx="2645545" cy="1450757"/>
           </a:xfrm>
           <a:prstGeom prst="ellipse">
@@ -4430,7 +4431,7 @@
         </p:nvSpPr>
         <p:spPr>
           <a:xfrm>
-            <a:off x="4871667" y="3513434"/>
+            <a:off x="5257799" y="3540067"/>
             <a:ext cx="1676399" cy="523220"/>
           </a:xfrm>
           <a:prstGeom prst="rect">
@@ -4466,7 +4467,7 @@
         </p:nvGrpSpPr>
         <p:grpSpPr>
           <a:xfrm>
-            <a:off x="7204323" y="3559945"/>
+            <a:off x="7590455" y="3586578"/>
             <a:ext cx="639192" cy="383218"/>
             <a:chOff x="7325558" y="3302493"/>
             <a:chExt cx="639192" cy="383218"/>
@@ -4573,7 +4574,7 @@
         </p:nvGrpSpPr>
         <p:grpSpPr>
           <a:xfrm>
-            <a:off x="3639081" y="3513434"/>
+            <a:off x="4025213" y="3540067"/>
             <a:ext cx="639192" cy="383218"/>
             <a:chOff x="7325558" y="3302493"/>
             <a:chExt cx="639192" cy="383218"/>
@@ -5217,7 +5218,7 @@
             </a:pPr>
             <a:r>
               <a:rPr lang="en-GB" sz="2000" dirty="0"/>
-              <a:t>How far did the deliverer had to drive? </a:t>
+              <a:t>What distance has he covered so far?</a:t>
             </a:r>
           </a:p>
           <a:p>
@@ -5295,7 +5296,13 @@
           <a:p>
             <a:r>
               <a:rPr lang="en-GB" dirty="0"/>
-              <a:t>Driver – Build an App</a:t>
+              <a:t>Demo </a:t>
+            </a:r>
+            <a:r>
+              <a:rPr lang="en-GB" dirty="0">
+                <a:sym typeface="Wingdings" panose="05000000000000000000" pitchFamily="2" charset="2"/>
+              </a:rPr>
+              <a:t></a:t>
             </a:r>
             <a:endParaRPr lang="en-CH" dirty="0"/>
           </a:p>
@@ -5305,6 +5312,131 @@
     <p:extLst>
       <p:ext uri="{BB962C8B-B14F-4D97-AF65-F5344CB8AC3E}">
         <p14:creationId xmlns:p14="http://schemas.microsoft.com/office/powerpoint/2010/main" val="475622975"/>
+      </p:ext>
+    </p:extLst>
+  </p:cSld>
+  <p:clrMapOvr>
+    <a:masterClrMapping/>
+  </p:clrMapOvr>
+</p:sld>
+</file>
+
+<file path=ppt/slides/slide8.xml><?xml version="1.0" encoding="utf-8"?>
+<p:sld xmlns:a="http://schemas.openxmlformats.org/drawingml/2006/main" xmlns:r="http://schemas.openxmlformats.org/officeDocument/2006/relationships" xmlns:p="http://schemas.openxmlformats.org/presentationml/2006/main">
+  <p:cSld>
+    <p:spTree>
+      <p:nvGrpSpPr>
+        <p:cNvPr id="1" name=""/>
+        <p:cNvGrpSpPr/>
+        <p:nvPr/>
+      </p:nvGrpSpPr>
+      <p:grpSpPr>
+        <a:xfrm>
+          <a:off x="0" y="0"/>
+          <a:ext cx="0" cy="0"/>
+          <a:chOff x="0" y="0"/>
+          <a:chExt cx="0" cy="0"/>
+        </a:xfrm>
+      </p:grpSpPr>
+      <p:sp>
+        <p:nvSpPr>
+          <p:cNvPr id="2" name="Title 1">
+            <a:extLst>
+              <a:ext uri="{FF2B5EF4-FFF2-40B4-BE49-F238E27FC236}">
+                <a16:creationId xmlns:a16="http://schemas.microsoft.com/office/drawing/2014/main" id="{53B29994-3D67-4D77-967C-7D156DF43CFB}"/>
+              </a:ext>
+            </a:extLst>
+          </p:cNvPr>
+          <p:cNvSpPr>
+            <a:spLocks noGrp="1"/>
+          </p:cNvSpPr>
+          <p:nvPr>
+            <p:ph type="title"/>
+          </p:nvPr>
+        </p:nvSpPr>
+        <p:spPr/>
+        <p:txBody>
+          <a:bodyPr/>
+          <a:lstStyle/>
+          <a:p>
+            <a:r>
+              <a:rPr lang="en-GB" dirty="0"/>
+              <a:t>Look into the Future</a:t>
+            </a:r>
+            <a:endParaRPr lang="en-CH" dirty="0"/>
+          </a:p>
+        </p:txBody>
+      </p:sp>
+      <p:sp>
+        <p:nvSpPr>
+          <p:cNvPr id="3" name="TextBox 2">
+            <a:extLst>
+              <a:ext uri="{FF2B5EF4-FFF2-40B4-BE49-F238E27FC236}">
+                <a16:creationId xmlns:a16="http://schemas.microsoft.com/office/drawing/2014/main" id="{A6A51641-F05A-42EA-8E3A-4FCA649D77DF}"/>
+              </a:ext>
+            </a:extLst>
+          </p:cNvPr>
+          <p:cNvSpPr txBox="1"/>
+          <p:nvPr/>
+        </p:nvSpPr>
+        <p:spPr>
+          <a:xfrm>
+            <a:off x="1258477" y="2196854"/>
+            <a:ext cx="9536770" cy="1938992"/>
+          </a:xfrm>
+          <a:prstGeom prst="rect">
+            <a:avLst/>
+          </a:prstGeom>
+          <a:noFill/>
+        </p:spPr>
+        <p:txBody>
+          <a:bodyPr wrap="square" rtlCol="0">
+            <a:spAutoFit/>
+          </a:bodyPr>
+          <a:lstStyle/>
+          <a:p>
+            <a:pPr marL="342900" indent="-342900">
+              <a:buFont typeface="Arial" panose="020B0604020202020204" pitchFamily="34" charset="0"/>
+              <a:buChar char="•"/>
+            </a:pPr>
+            <a:r>
+              <a:rPr lang="en-GB" sz="2000" dirty="0"/>
+              <a:t>Offer Premium subscription model for deliverers to have a better chance to get good orders</a:t>
+            </a:r>
+          </a:p>
+          <a:p>
+            <a:pPr marL="342900" indent="-342900">
+              <a:buFont typeface="Arial" panose="020B0604020202020204" pitchFamily="34" charset="0"/>
+              <a:buChar char="•"/>
+            </a:pPr>
+            <a:r>
+              <a:rPr lang="en-GB" sz="2000" dirty="0"/>
+              <a:t>Button to share covered distance, number of orders executed, etc. on social media</a:t>
+            </a:r>
+          </a:p>
+          <a:p>
+            <a:pPr marL="342900" indent="-342900">
+              <a:buFont typeface="Arial" panose="020B0604020202020204" pitchFamily="34" charset="0"/>
+              <a:buChar char="•"/>
+            </a:pPr>
+            <a:r>
+              <a:rPr lang="en-GB" sz="2000" dirty="0"/>
+              <a:t>Implement rankings in different areas</a:t>
+            </a:r>
+          </a:p>
+          <a:p>
+            <a:pPr marL="342900" indent="-342900">
+              <a:buFont typeface="Arial" panose="020B0604020202020204" pitchFamily="34" charset="0"/>
+              <a:buChar char="•"/>
+            </a:pPr>
+            <a:endParaRPr lang="en-GB" sz="2000" dirty="0"/>
+          </a:p>
+        </p:txBody>
+      </p:sp>
+    </p:spTree>
+    <p:extLst>
+      <p:ext uri="{BB962C8B-B14F-4D97-AF65-F5344CB8AC3E}">
+        <p14:creationId xmlns:p14="http://schemas.microsoft.com/office/powerpoint/2010/main" val="3423309878"/>
       </p:ext>
     </p:extLst>
   </p:cSld>
